--- a/2024-2025/Wyk/Wyklad7.pptx
+++ b/2024-2025/Wyk/Wyklad7.pptx
@@ -5,10 +5,10 @@
     <p:sldMasterId id="2147483696" r:id="rId1"/>
   </p:sldMasterIdLst>
   <p:notesMasterIdLst>
-    <p:notesMasterId r:id="rId18"/>
+    <p:notesMasterId r:id="rId16"/>
   </p:notesMasterIdLst>
   <p:handoutMasterIdLst>
-    <p:handoutMasterId r:id="rId19"/>
+    <p:handoutMasterId r:id="rId17"/>
   </p:handoutMasterIdLst>
   <p:sldIdLst>
     <p:sldId id="346" r:id="rId2"/>
@@ -16,17 +16,15 @@
     <p:sldId id="519" r:id="rId4"/>
     <p:sldId id="514" r:id="rId5"/>
     <p:sldId id="515" r:id="rId6"/>
-    <p:sldId id="516" r:id="rId7"/>
-    <p:sldId id="517" r:id="rId8"/>
-    <p:sldId id="518" r:id="rId9"/>
-    <p:sldId id="526" r:id="rId10"/>
-    <p:sldId id="525" r:id="rId11"/>
-    <p:sldId id="528" r:id="rId12"/>
-    <p:sldId id="529" r:id="rId13"/>
-    <p:sldId id="530" r:id="rId14"/>
-    <p:sldId id="535" r:id="rId15"/>
-    <p:sldId id="531" r:id="rId16"/>
-    <p:sldId id="534" r:id="rId17"/>
+    <p:sldId id="518" r:id="rId7"/>
+    <p:sldId id="526" r:id="rId8"/>
+    <p:sldId id="525" r:id="rId9"/>
+    <p:sldId id="528" r:id="rId10"/>
+    <p:sldId id="529" r:id="rId11"/>
+    <p:sldId id="530" r:id="rId12"/>
+    <p:sldId id="535" r:id="rId13"/>
+    <p:sldId id="531" r:id="rId14"/>
+    <p:sldId id="534" r:id="rId15"/>
   </p:sldIdLst>
   <p:sldSz cx="9144000" cy="6858000" type="screen4x3"/>
   <p:notesSz cx="6858000" cy="9144000"/>
@@ -287,7 +285,7 @@
           <a:p>
             <a:fld id="{5113504E-0C99-2340-A5F6-DD6E1A87C372}" type="datetimeFigureOut">
               <a:rPr lang="pl-PL" smtClean="0"/>
-              <a:t>14.08.2024</a:t>
+              <a:t>19.08.2024</a:t>
             </a:fld>
             <a:endParaRPr lang="pl-PL"/>
           </a:p>
@@ -453,7 +451,7 @@
           <a:p>
             <a:fld id="{F78C933E-44E9-2D43-91B0-0D2BEEFA7EB9}" type="datetimeFigureOut">
               <a:rPr lang="pl-PL" smtClean="0"/>
-              <a:t>14.08.2024</a:t>
+              <a:t>19.08.2024</a:t>
             </a:fld>
             <a:endParaRPr lang="pl-PL"/>
           </a:p>
@@ -882,7 +880,7 @@
     </p:spTree>
     <p:extLst>
       <p:ext uri="{BB962C8B-B14F-4D97-AF65-F5344CB8AC3E}">
-        <p14:creationId xmlns:p14="http://schemas.microsoft.com/office/powerpoint/2010/main" val="1758003520"/>
+        <p14:creationId xmlns:p14="http://schemas.microsoft.com/office/powerpoint/2010/main" val="4041506027"/>
       </p:ext>
     </p:extLst>
   </p:cSld>
@@ -969,7 +967,7 @@
     </p:spTree>
     <p:extLst>
       <p:ext uri="{BB962C8B-B14F-4D97-AF65-F5344CB8AC3E}">
-        <p14:creationId xmlns:p14="http://schemas.microsoft.com/office/powerpoint/2010/main" val="4275990047"/>
+        <p14:creationId xmlns:p14="http://schemas.microsoft.com/office/powerpoint/2010/main" val="2035119257"/>
       </p:ext>
     </p:extLst>
   </p:cSld>
@@ -1056,7 +1054,7 @@
     </p:spTree>
     <p:extLst>
       <p:ext uri="{BB962C8B-B14F-4D97-AF65-F5344CB8AC3E}">
-        <p14:creationId xmlns:p14="http://schemas.microsoft.com/office/powerpoint/2010/main" val="4041506027"/>
+        <p14:creationId xmlns:p14="http://schemas.microsoft.com/office/powerpoint/2010/main" val="875696730"/>
       </p:ext>
     </p:extLst>
   </p:cSld>
@@ -1143,7 +1141,7 @@
     </p:spTree>
     <p:extLst>
       <p:ext uri="{BB962C8B-B14F-4D97-AF65-F5344CB8AC3E}">
-        <p14:creationId xmlns:p14="http://schemas.microsoft.com/office/powerpoint/2010/main" val="2035119257"/>
+        <p14:creationId xmlns:p14="http://schemas.microsoft.com/office/powerpoint/2010/main" val="1431034631"/>
       </p:ext>
     </p:extLst>
   </p:cSld>
@@ -1222,180 +1220,6 @@
             <a:fld id="{79CE77F9-1A7F-B148-A0AA-5828300D10BC}" type="slidenum">
               <a:rPr lang="pl-PL" smtClean="0"/>
               <a:t>14</a:t>
-            </a:fld>
-            <a:endParaRPr lang="pl-PL"/>
-          </a:p>
-        </p:txBody>
-      </p:sp>
-    </p:spTree>
-    <p:extLst>
-      <p:ext uri="{BB962C8B-B14F-4D97-AF65-F5344CB8AC3E}">
-        <p14:creationId xmlns:p14="http://schemas.microsoft.com/office/powerpoint/2010/main" val="875696730"/>
-      </p:ext>
-    </p:extLst>
-  </p:cSld>
-  <p:clrMapOvr>
-    <a:masterClrMapping/>
-  </p:clrMapOvr>
-</p:notes>
-</file>
-
-<file path=ppt/notesSlides/notesSlide15.xml><?xml version="1.0" encoding="utf-8"?>
-<p:notes xmlns:a="http://schemas.openxmlformats.org/drawingml/2006/main" xmlns:r="http://schemas.openxmlformats.org/officeDocument/2006/relationships" xmlns:p="http://schemas.openxmlformats.org/presentationml/2006/main">
-  <p:cSld>
-    <p:spTree>
-      <p:nvGrpSpPr>
-        <p:cNvPr id="1" name=""/>
-        <p:cNvGrpSpPr/>
-        <p:nvPr/>
-      </p:nvGrpSpPr>
-      <p:grpSpPr>
-        <a:xfrm>
-          <a:off x="0" y="0"/>
-          <a:ext cx="0" cy="0"/>
-          <a:chOff x="0" y="0"/>
-          <a:chExt cx="0" cy="0"/>
-        </a:xfrm>
-      </p:grpSpPr>
-      <p:sp>
-        <p:nvSpPr>
-          <p:cNvPr id="2" name="Slide Image Placeholder 1"/>
-          <p:cNvSpPr>
-            <a:spLocks noGrp="1" noRot="1" noChangeAspect="1"/>
-          </p:cNvSpPr>
-          <p:nvPr>
-            <p:ph type="sldImg"/>
-          </p:nvPr>
-        </p:nvSpPr>
-        <p:spPr/>
-      </p:sp>
-      <p:sp>
-        <p:nvSpPr>
-          <p:cNvPr id="3" name="Notes Placeholder 2"/>
-          <p:cNvSpPr>
-            <a:spLocks noGrp="1"/>
-          </p:cNvSpPr>
-          <p:nvPr>
-            <p:ph type="body" idx="1"/>
-          </p:nvPr>
-        </p:nvSpPr>
-        <p:spPr/>
-        <p:txBody>
-          <a:bodyPr/>
-          <a:lstStyle/>
-          <a:p>
-            <a:pPr rtl="0"/>
-            <a:endParaRPr lang="pl-PL" dirty="0">
-              <a:effectLst/>
-            </a:endParaRPr>
-          </a:p>
-        </p:txBody>
-      </p:sp>
-      <p:sp>
-        <p:nvSpPr>
-          <p:cNvPr id="4" name="Slide Number Placeholder 3"/>
-          <p:cNvSpPr>
-            <a:spLocks noGrp="1"/>
-          </p:cNvSpPr>
-          <p:nvPr>
-            <p:ph type="sldNum" sz="quarter" idx="10"/>
-          </p:nvPr>
-        </p:nvSpPr>
-        <p:spPr/>
-        <p:txBody>
-          <a:bodyPr/>
-          <a:lstStyle/>
-          <a:p>
-            <a:fld id="{79CE77F9-1A7F-B148-A0AA-5828300D10BC}" type="slidenum">
-              <a:rPr lang="pl-PL" smtClean="0"/>
-              <a:t>15</a:t>
-            </a:fld>
-            <a:endParaRPr lang="pl-PL"/>
-          </a:p>
-        </p:txBody>
-      </p:sp>
-    </p:spTree>
-    <p:extLst>
-      <p:ext uri="{BB962C8B-B14F-4D97-AF65-F5344CB8AC3E}">
-        <p14:creationId xmlns:p14="http://schemas.microsoft.com/office/powerpoint/2010/main" val="1431034631"/>
-      </p:ext>
-    </p:extLst>
-  </p:cSld>
-  <p:clrMapOvr>
-    <a:masterClrMapping/>
-  </p:clrMapOvr>
-</p:notes>
-</file>
-
-<file path=ppt/notesSlides/notesSlide16.xml><?xml version="1.0" encoding="utf-8"?>
-<p:notes xmlns:a="http://schemas.openxmlformats.org/drawingml/2006/main" xmlns:r="http://schemas.openxmlformats.org/officeDocument/2006/relationships" xmlns:p="http://schemas.openxmlformats.org/presentationml/2006/main">
-  <p:cSld>
-    <p:spTree>
-      <p:nvGrpSpPr>
-        <p:cNvPr id="1" name=""/>
-        <p:cNvGrpSpPr/>
-        <p:nvPr/>
-      </p:nvGrpSpPr>
-      <p:grpSpPr>
-        <a:xfrm>
-          <a:off x="0" y="0"/>
-          <a:ext cx="0" cy="0"/>
-          <a:chOff x="0" y="0"/>
-          <a:chExt cx="0" cy="0"/>
-        </a:xfrm>
-      </p:grpSpPr>
-      <p:sp>
-        <p:nvSpPr>
-          <p:cNvPr id="2" name="Slide Image Placeholder 1"/>
-          <p:cNvSpPr>
-            <a:spLocks noGrp="1" noRot="1" noChangeAspect="1"/>
-          </p:cNvSpPr>
-          <p:nvPr>
-            <p:ph type="sldImg"/>
-          </p:nvPr>
-        </p:nvSpPr>
-        <p:spPr/>
-      </p:sp>
-      <p:sp>
-        <p:nvSpPr>
-          <p:cNvPr id="3" name="Notes Placeholder 2"/>
-          <p:cNvSpPr>
-            <a:spLocks noGrp="1"/>
-          </p:cNvSpPr>
-          <p:nvPr>
-            <p:ph type="body" idx="1"/>
-          </p:nvPr>
-        </p:nvSpPr>
-        <p:spPr/>
-        <p:txBody>
-          <a:bodyPr/>
-          <a:lstStyle/>
-          <a:p>
-            <a:pPr rtl="0"/>
-            <a:endParaRPr lang="pl-PL" dirty="0">
-              <a:effectLst/>
-            </a:endParaRPr>
-          </a:p>
-        </p:txBody>
-      </p:sp>
-      <p:sp>
-        <p:nvSpPr>
-          <p:cNvPr id="4" name="Slide Number Placeholder 3"/>
-          <p:cNvSpPr>
-            <a:spLocks noGrp="1"/>
-          </p:cNvSpPr>
-          <p:nvPr>
-            <p:ph type="sldNum" sz="quarter" idx="10"/>
-          </p:nvPr>
-        </p:nvSpPr>
-        <p:spPr/>
-        <p:txBody>
-          <a:bodyPr/>
-          <a:lstStyle/>
-          <a:p>
-            <a:fld id="{79CE77F9-1A7F-B148-A0AA-5828300D10BC}" type="slidenum">
-              <a:rPr lang="pl-PL" smtClean="0"/>
-              <a:t>16</a:t>
             </a:fld>
             <a:endParaRPr lang="pl-PL"/>
           </a:p>
@@ -1839,7 +1663,7 @@
     </p:spTree>
     <p:extLst>
       <p:ext uri="{BB962C8B-B14F-4D97-AF65-F5344CB8AC3E}">
-        <p14:creationId xmlns:p14="http://schemas.microsoft.com/office/powerpoint/2010/main" val="1139963736"/>
+        <p14:creationId xmlns:p14="http://schemas.microsoft.com/office/powerpoint/2010/main" val="4111176091"/>
       </p:ext>
     </p:extLst>
   </p:cSld>
@@ -1926,7 +1750,7 @@
     </p:spTree>
     <p:extLst>
       <p:ext uri="{BB962C8B-B14F-4D97-AF65-F5344CB8AC3E}">
-        <p14:creationId xmlns:p14="http://schemas.microsoft.com/office/powerpoint/2010/main" val="157411442"/>
+        <p14:creationId xmlns:p14="http://schemas.microsoft.com/office/powerpoint/2010/main" val="2490437190"/>
       </p:ext>
     </p:extLst>
   </p:cSld>
@@ -2013,7 +1837,7 @@
     </p:spTree>
     <p:extLst>
       <p:ext uri="{BB962C8B-B14F-4D97-AF65-F5344CB8AC3E}">
-        <p14:creationId xmlns:p14="http://schemas.microsoft.com/office/powerpoint/2010/main" val="4111176091"/>
+        <p14:creationId xmlns:p14="http://schemas.microsoft.com/office/powerpoint/2010/main" val="1758003520"/>
       </p:ext>
     </p:extLst>
   </p:cSld>
@@ -2100,7 +1924,7 @@
     </p:spTree>
     <p:extLst>
       <p:ext uri="{BB962C8B-B14F-4D97-AF65-F5344CB8AC3E}">
-        <p14:creationId xmlns:p14="http://schemas.microsoft.com/office/powerpoint/2010/main" val="2490437190"/>
+        <p14:creationId xmlns:p14="http://schemas.microsoft.com/office/powerpoint/2010/main" val="4275990047"/>
       </p:ext>
     </p:extLst>
   </p:cSld>
@@ -2289,7 +2113,7 @@
           <a:p>
             <a:fld id="{91017B01-0C30-B241-B19F-621BE4770608}" type="datetimeFigureOut">
               <a:rPr lang="pl-PL" smtClean="0"/>
-              <a:t>14.08.2024</a:t>
+              <a:t>19.08.2024</a:t>
             </a:fld>
             <a:endParaRPr lang="pl-PL"/>
           </a:p>
@@ -2458,7 +2282,7 @@
           <a:p>
             <a:fld id="{91017B01-0C30-B241-B19F-621BE4770608}" type="datetimeFigureOut">
               <a:rPr lang="pl-PL" smtClean="0"/>
-              <a:t>14.08.2024</a:t>
+              <a:t>19.08.2024</a:t>
             </a:fld>
             <a:endParaRPr lang="pl-PL"/>
           </a:p>
@@ -2637,7 +2461,7 @@
           <a:p>
             <a:fld id="{91017B01-0C30-B241-B19F-621BE4770608}" type="datetimeFigureOut">
               <a:rPr lang="pl-PL" smtClean="0"/>
-              <a:t>14.08.2024</a:t>
+              <a:t>19.08.2024</a:t>
             </a:fld>
             <a:endParaRPr lang="pl-PL"/>
           </a:p>
@@ -2806,7 +2630,7 @@
           <a:p>
             <a:fld id="{91017B01-0C30-B241-B19F-621BE4770608}" type="datetimeFigureOut">
               <a:rPr lang="pl-PL" smtClean="0"/>
-              <a:t>14.08.2024</a:t>
+              <a:t>19.08.2024</a:t>
             </a:fld>
             <a:endParaRPr lang="pl-PL"/>
           </a:p>
@@ -3052,7 +2876,7 @@
           <a:p>
             <a:fld id="{91017B01-0C30-B241-B19F-621BE4770608}" type="datetimeFigureOut">
               <a:rPr lang="pl-PL" smtClean="0"/>
-              <a:t>14.08.2024</a:t>
+              <a:t>19.08.2024</a:t>
             </a:fld>
             <a:endParaRPr lang="pl-PL"/>
           </a:p>
@@ -3338,7 +3162,7 @@
           <a:p>
             <a:fld id="{91017B01-0C30-B241-B19F-621BE4770608}" type="datetimeFigureOut">
               <a:rPr lang="pl-PL" smtClean="0"/>
-              <a:t>14.08.2024</a:t>
+              <a:t>19.08.2024</a:t>
             </a:fld>
             <a:endParaRPr lang="pl-PL"/>
           </a:p>
@@ -3758,7 +3582,7 @@
           <a:p>
             <a:fld id="{91017B01-0C30-B241-B19F-621BE4770608}" type="datetimeFigureOut">
               <a:rPr lang="pl-PL" smtClean="0"/>
-              <a:t>14.08.2024</a:t>
+              <a:t>19.08.2024</a:t>
             </a:fld>
             <a:endParaRPr lang="pl-PL"/>
           </a:p>
@@ -3876,7 +3700,7 @@
           <a:p>
             <a:fld id="{91017B01-0C30-B241-B19F-621BE4770608}" type="datetimeFigureOut">
               <a:rPr lang="pl-PL" smtClean="0"/>
-              <a:t>14.08.2024</a:t>
+              <a:t>19.08.2024</a:t>
             </a:fld>
             <a:endParaRPr lang="pl-PL"/>
           </a:p>
@@ -3972,7 +3796,7 @@
           <a:p>
             <a:fld id="{91017B01-0C30-B241-B19F-621BE4770608}" type="datetimeFigureOut">
               <a:rPr lang="pl-PL" smtClean="0"/>
-              <a:t>14.08.2024</a:t>
+              <a:t>19.08.2024</a:t>
             </a:fld>
             <a:endParaRPr lang="pl-PL"/>
           </a:p>
@@ -4249,7 +4073,7 @@
           <a:p>
             <a:fld id="{91017B01-0C30-B241-B19F-621BE4770608}" type="datetimeFigureOut">
               <a:rPr lang="pl-PL" smtClean="0"/>
-              <a:t>14.08.2024</a:t>
+              <a:t>19.08.2024</a:t>
             </a:fld>
             <a:endParaRPr lang="pl-PL"/>
           </a:p>
@@ -4505,7 +4329,7 @@
           <a:p>
             <a:fld id="{91017B01-0C30-B241-B19F-621BE4770608}" type="datetimeFigureOut">
               <a:rPr lang="pl-PL" smtClean="0"/>
-              <a:t>14.08.2024</a:t>
+              <a:t>19.08.2024</a:t>
             </a:fld>
             <a:endParaRPr lang="pl-PL"/>
           </a:p>
@@ -4717,7 +4541,7 @@
           <a:p>
             <a:fld id="{91017B01-0C30-B241-B19F-621BE4770608}" type="datetimeFigureOut">
               <a:rPr lang="pl-PL" smtClean="0"/>
-              <a:t>14.08.2024</a:t>
+              <a:t>19.08.2024</a:t>
             </a:fld>
             <a:endParaRPr lang="pl-PL"/>
           </a:p>
@@ -5241,7 +5065,7 @@
         <p:spPr>
           <a:xfrm>
             <a:off x="827584" y="3789040"/>
-            <a:ext cx="7920753" cy="923330"/>
+            <a:ext cx="7920753" cy="646331"/>
           </a:xfrm>
           <a:prstGeom prst="rect">
             <a:avLst/>
@@ -5290,20 +5114,6 @@
                 <a:schemeClr val="bg1"/>
               </a:solidFill>
             </a:endParaRPr>
-          </a:p>
-          <a:p>
-            <a:pPr marL="342900" indent="-342900">
-              <a:buFont typeface="Courier New" panose="02070309020205020404" pitchFamily="49" charset="0"/>
-              <a:buChar char="o"/>
-            </a:pPr>
-            <a:r>
-              <a:rPr lang="pl-PL" sz="1800" dirty="0">
-                <a:solidFill>
-                  <a:schemeClr val="bg1"/>
-                </a:solidFill>
-              </a:rPr>
-              <a:t>MVVM</a:t>
-            </a:r>
           </a:p>
         </p:txBody>
       </p:sp>
@@ -5321,362 +5131,6 @@
 </file>
 
 <file path=ppt/slides/slide10.xml><?xml version="1.0" encoding="utf-8"?>
-<p:sld xmlns:a="http://schemas.openxmlformats.org/drawingml/2006/main" xmlns:r="http://schemas.openxmlformats.org/officeDocument/2006/relationships" xmlns:p="http://schemas.openxmlformats.org/presentationml/2006/main">
-  <p:cSld>
-    <p:bg>
-      <p:bgPr>
-        <a:blipFill dpi="0" rotWithShape="0">
-          <a:blip r:embed="rId3" cstate="print"/>
-          <a:srcRect/>
-          <a:stretch>
-            <a:fillRect/>
-          </a:stretch>
-        </a:blipFill>
-        <a:effectLst/>
-      </p:bgPr>
-    </p:bg>
-    <p:spTree>
-      <p:nvGrpSpPr>
-        <p:cNvPr id="1" name=""/>
-        <p:cNvGrpSpPr/>
-        <p:nvPr/>
-      </p:nvGrpSpPr>
-      <p:grpSpPr>
-        <a:xfrm>
-          <a:off x="0" y="0"/>
-          <a:ext cx="0" cy="0"/>
-          <a:chOff x="0" y="0"/>
-          <a:chExt cx="0" cy="0"/>
-        </a:xfrm>
-      </p:grpSpPr>
-      <p:sp>
-        <p:nvSpPr>
-          <p:cNvPr id="2" name="Rectangle 1"/>
-          <p:cNvSpPr/>
-          <p:nvPr/>
-        </p:nvSpPr>
-        <p:spPr>
-          <a:xfrm>
-            <a:off x="2796750" y="244941"/>
-            <a:ext cx="5879706" cy="492443"/>
-          </a:xfrm>
-          <a:prstGeom prst="rect">
-            <a:avLst/>
-          </a:prstGeom>
-        </p:spPr>
-        <p:txBody>
-          <a:bodyPr wrap="square">
-            <a:spAutoFit/>
-          </a:bodyPr>
-          <a:lstStyle/>
-          <a:p>
-            <a:pPr algn="ctr"/>
-            <a:r>
-              <a:rPr lang="pl-PL" sz="2600" dirty="0" err="1">
-                <a:solidFill>
-                  <a:schemeClr val="bg1"/>
-                </a:solidFill>
-                <a:latin typeface="Verdana" panose="020B0604030504040204" pitchFamily="34" charset="0"/>
-                <a:ea typeface="Verdana" panose="020B0604030504040204" pitchFamily="34" charset="0"/>
-                <a:cs typeface="Verdana" panose="020B0604030504040204" pitchFamily="34" charset="0"/>
-              </a:rPr>
-              <a:t>LiveData</a:t>
-            </a:r>
-            <a:endParaRPr lang="pl-PL" sz="2600" dirty="0">
-              <a:solidFill>
-                <a:schemeClr val="bg1"/>
-              </a:solidFill>
-              <a:latin typeface="Verdana" panose="020B0604030504040204" pitchFamily="34" charset="0"/>
-              <a:ea typeface="Verdana" panose="020B0604030504040204" pitchFamily="34" charset="0"/>
-              <a:cs typeface="Verdana" panose="020B0604030504040204" pitchFamily="34" charset="0"/>
-            </a:endParaRPr>
-          </a:p>
-        </p:txBody>
-      </p:sp>
-      <p:pic>
-        <p:nvPicPr>
-          <p:cNvPr id="5" name="Obraz 4">
-            <a:extLst>
-              <a:ext uri="{FF2B5EF4-FFF2-40B4-BE49-F238E27FC236}">
-                <a16:creationId xmlns:a16="http://schemas.microsoft.com/office/drawing/2014/main" id="{E552FCB6-CF5B-EB90-BD41-C2ACD2822ED1}"/>
-              </a:ext>
-            </a:extLst>
-          </p:cNvPr>
-          <p:cNvPicPr>
-            <a:picLocks noChangeAspect="1"/>
-          </p:cNvPicPr>
-          <p:nvPr/>
-        </p:nvPicPr>
-        <p:blipFill>
-          <a:blip r:embed="rId4"/>
-          <a:stretch>
-            <a:fillRect/>
-          </a:stretch>
-        </p:blipFill>
-        <p:spPr>
-          <a:xfrm>
-            <a:off x="10536" y="836712"/>
-            <a:ext cx="9144000" cy="929448"/>
-          </a:xfrm>
-          <a:prstGeom prst="rect">
-            <a:avLst/>
-          </a:prstGeom>
-        </p:spPr>
-      </p:pic>
-      <p:pic>
-        <p:nvPicPr>
-          <p:cNvPr id="2050" name="Picture 2">
-            <a:extLst>
-              <a:ext uri="{FF2B5EF4-FFF2-40B4-BE49-F238E27FC236}">
-                <a16:creationId xmlns:a16="http://schemas.microsoft.com/office/drawing/2014/main" id="{7B9BBE6F-5224-713C-2C3A-F48AD6CF12EB}"/>
-              </a:ext>
-            </a:extLst>
-          </p:cNvPr>
-          <p:cNvPicPr>
-            <a:picLocks noChangeAspect="1" noChangeArrowheads="1"/>
-          </p:cNvPicPr>
-          <p:nvPr/>
-        </p:nvPicPr>
-        <p:blipFill>
-          <a:blip r:embed="rId5" cstate="print">
-            <a:extLst>
-              <a:ext uri="{28A0092B-C50C-407E-A947-70E740481C1C}">
-                <a14:useLocalDpi xmlns:a14="http://schemas.microsoft.com/office/drawing/2010/main" val="0"/>
-              </a:ext>
-            </a:extLst>
-          </a:blip>
-          <a:srcRect/>
-          <a:stretch>
-            <a:fillRect/>
-          </a:stretch>
-        </p:blipFill>
-        <p:spPr bwMode="auto">
-          <a:xfrm>
-            <a:off x="10536" y="2348880"/>
-            <a:ext cx="9144000" cy="4462463"/>
-          </a:xfrm>
-          <a:prstGeom prst="rect">
-            <a:avLst/>
-          </a:prstGeom>
-          <a:noFill/>
-          <a:extLst>
-            <a:ext uri="{909E8E84-426E-40DD-AFC4-6F175D3DCCD1}">
-              <a14:hiddenFill xmlns:a14="http://schemas.microsoft.com/office/drawing/2010/main">
-                <a:solidFill>
-                  <a:srgbClr val="FFFFFF"/>
-                </a:solidFill>
-              </a14:hiddenFill>
-            </a:ext>
-          </a:extLst>
-        </p:spPr>
-      </p:pic>
-    </p:spTree>
-    <p:extLst>
-      <p:ext uri="{BB962C8B-B14F-4D97-AF65-F5344CB8AC3E}">
-        <p14:creationId xmlns:p14="http://schemas.microsoft.com/office/powerpoint/2010/main" val="3731238472"/>
-      </p:ext>
-    </p:extLst>
-  </p:cSld>
-  <p:clrMapOvr>
-    <a:masterClrMapping/>
-  </p:clrMapOvr>
-</p:sld>
-</file>
-
-<file path=ppt/slides/slide11.xml><?xml version="1.0" encoding="utf-8"?>
-<p:sld xmlns:a="http://schemas.openxmlformats.org/drawingml/2006/main" xmlns:r="http://schemas.openxmlformats.org/officeDocument/2006/relationships" xmlns:p="http://schemas.openxmlformats.org/presentationml/2006/main">
-  <p:cSld>
-    <p:bg>
-      <p:bgPr>
-        <a:blipFill dpi="0" rotWithShape="0">
-          <a:blip r:embed="rId3" cstate="print"/>
-          <a:srcRect/>
-          <a:stretch>
-            <a:fillRect/>
-          </a:stretch>
-        </a:blipFill>
-        <a:effectLst/>
-      </p:bgPr>
-    </p:bg>
-    <p:spTree>
-      <p:nvGrpSpPr>
-        <p:cNvPr id="1" name=""/>
-        <p:cNvGrpSpPr/>
-        <p:nvPr/>
-      </p:nvGrpSpPr>
-      <p:grpSpPr>
-        <a:xfrm>
-          <a:off x="0" y="0"/>
-          <a:ext cx="0" cy="0"/>
-          <a:chOff x="0" y="0"/>
-          <a:chExt cx="0" cy="0"/>
-        </a:xfrm>
-      </p:grpSpPr>
-      <p:sp>
-        <p:nvSpPr>
-          <p:cNvPr id="2" name="Rectangle 1"/>
-          <p:cNvSpPr/>
-          <p:nvPr/>
-        </p:nvSpPr>
-        <p:spPr>
-          <a:xfrm>
-            <a:off x="2796750" y="244941"/>
-            <a:ext cx="5879706" cy="492443"/>
-          </a:xfrm>
-          <a:prstGeom prst="rect">
-            <a:avLst/>
-          </a:prstGeom>
-        </p:spPr>
-        <p:txBody>
-          <a:bodyPr wrap="square">
-            <a:spAutoFit/>
-          </a:bodyPr>
-          <a:lstStyle/>
-          <a:p>
-            <a:pPr algn="ctr"/>
-            <a:r>
-              <a:rPr lang="pl-PL" sz="2600" dirty="0" err="1">
-                <a:solidFill>
-                  <a:schemeClr val="bg1"/>
-                </a:solidFill>
-                <a:latin typeface="Verdana" panose="020B0604030504040204" pitchFamily="34" charset="0"/>
-                <a:ea typeface="Verdana" panose="020B0604030504040204" pitchFamily="34" charset="0"/>
-                <a:cs typeface="Verdana" panose="020B0604030504040204" pitchFamily="34" charset="0"/>
-              </a:rPr>
-              <a:t>LiveData</a:t>
-            </a:r>
-            <a:endParaRPr lang="pl-PL" sz="2600" dirty="0">
-              <a:solidFill>
-                <a:schemeClr val="bg1"/>
-              </a:solidFill>
-              <a:latin typeface="Verdana" panose="020B0604030504040204" pitchFamily="34" charset="0"/>
-              <a:ea typeface="Verdana" panose="020B0604030504040204" pitchFamily="34" charset="0"/>
-              <a:cs typeface="Verdana" panose="020B0604030504040204" pitchFamily="34" charset="0"/>
-            </a:endParaRPr>
-          </a:p>
-        </p:txBody>
-      </p:sp>
-      <p:pic>
-        <p:nvPicPr>
-          <p:cNvPr id="5" name="Obraz 4">
-            <a:extLst>
-              <a:ext uri="{FF2B5EF4-FFF2-40B4-BE49-F238E27FC236}">
-                <a16:creationId xmlns:a16="http://schemas.microsoft.com/office/drawing/2014/main" id="{E552FCB6-CF5B-EB90-BD41-C2ACD2822ED1}"/>
-              </a:ext>
-            </a:extLst>
-          </p:cNvPr>
-          <p:cNvPicPr>
-            <a:picLocks noChangeAspect="1"/>
-          </p:cNvPicPr>
-          <p:nvPr/>
-        </p:nvPicPr>
-        <p:blipFill>
-          <a:blip r:embed="rId4"/>
-          <a:stretch>
-            <a:fillRect/>
-          </a:stretch>
-        </p:blipFill>
-        <p:spPr>
-          <a:xfrm>
-            <a:off x="10536" y="836712"/>
-            <a:ext cx="9144000" cy="929448"/>
-          </a:xfrm>
-          <a:prstGeom prst="rect">
-            <a:avLst/>
-          </a:prstGeom>
-        </p:spPr>
-      </p:pic>
-      <p:pic>
-        <p:nvPicPr>
-          <p:cNvPr id="7" name="Obraz 6">
-            <a:extLst>
-              <a:ext uri="{FF2B5EF4-FFF2-40B4-BE49-F238E27FC236}">
-                <a16:creationId xmlns:a16="http://schemas.microsoft.com/office/drawing/2014/main" id="{6319A60A-CF7A-BD25-A5AC-E4FB298156D1}"/>
-              </a:ext>
-            </a:extLst>
-          </p:cNvPr>
-          <p:cNvPicPr>
-            <a:picLocks noChangeAspect="1"/>
-          </p:cNvPicPr>
-          <p:nvPr/>
-        </p:nvPicPr>
-        <p:blipFill>
-          <a:blip r:embed="rId5"/>
-          <a:stretch>
-            <a:fillRect/>
-          </a:stretch>
-        </p:blipFill>
-        <p:spPr>
-          <a:xfrm>
-            <a:off x="12599" y="1770933"/>
-            <a:ext cx="9144000" cy="556818"/>
-          </a:xfrm>
-          <a:prstGeom prst="rect">
-            <a:avLst/>
-          </a:prstGeom>
-        </p:spPr>
-      </p:pic>
-      <p:pic>
-        <p:nvPicPr>
-          <p:cNvPr id="8194" name="Picture 2" descr="Introduction to LiveData in Android">
-            <a:extLst>
-              <a:ext uri="{FF2B5EF4-FFF2-40B4-BE49-F238E27FC236}">
-                <a16:creationId xmlns:a16="http://schemas.microsoft.com/office/drawing/2014/main" id="{6ABA3A65-F53E-233D-4566-EBD541ECF5BA}"/>
-              </a:ext>
-            </a:extLst>
-          </p:cNvPr>
-          <p:cNvPicPr>
-            <a:picLocks noChangeAspect="1" noChangeArrowheads="1"/>
-          </p:cNvPicPr>
-          <p:nvPr/>
-        </p:nvPicPr>
-        <p:blipFill>
-          <a:blip r:embed="rId6">
-            <a:extLst>
-              <a:ext uri="{28A0092B-C50C-407E-A947-70E740481C1C}">
-                <a14:useLocalDpi xmlns:a14="http://schemas.microsoft.com/office/drawing/2010/main" val="0"/>
-              </a:ext>
-            </a:extLst>
-          </a:blip>
-          <a:srcRect/>
-          <a:stretch>
-            <a:fillRect/>
-          </a:stretch>
-        </p:blipFill>
-        <p:spPr bwMode="auto">
-          <a:xfrm>
-            <a:off x="15844" y="2636912"/>
-            <a:ext cx="9120079" cy="2520280"/>
-          </a:xfrm>
-          <a:prstGeom prst="rect">
-            <a:avLst/>
-          </a:prstGeom>
-          <a:noFill/>
-          <a:extLst>
-            <a:ext uri="{909E8E84-426E-40DD-AFC4-6F175D3DCCD1}">
-              <a14:hiddenFill xmlns:a14="http://schemas.microsoft.com/office/drawing/2010/main">
-                <a:solidFill>
-                  <a:srgbClr val="FFFFFF"/>
-                </a:solidFill>
-              </a14:hiddenFill>
-            </a:ext>
-          </a:extLst>
-        </p:spPr>
-      </p:pic>
-    </p:spTree>
-    <p:extLst>
-      <p:ext uri="{BB962C8B-B14F-4D97-AF65-F5344CB8AC3E}">
-        <p14:creationId xmlns:p14="http://schemas.microsoft.com/office/powerpoint/2010/main" val="2243393566"/>
-      </p:ext>
-    </p:extLst>
-  </p:cSld>
-  <p:clrMapOvr>
-    <a:masterClrMapping/>
-  </p:clrMapOvr>
-</p:sld>
-</file>
-
-<file path=ppt/slides/slide12.xml><?xml version="1.0" encoding="utf-8"?>
 <p:sld xmlns:a="http://schemas.openxmlformats.org/drawingml/2006/main" xmlns:r="http://schemas.openxmlformats.org/officeDocument/2006/relationships" xmlns:p="http://schemas.openxmlformats.org/presentationml/2006/main">
   <p:cSld>
     <p:bg>
@@ -5899,7 +5353,7 @@
 </p:sld>
 </file>
 
-<file path=ppt/slides/slide13.xml><?xml version="1.0" encoding="utf-8"?>
+<file path=ppt/slides/slide11.xml><?xml version="1.0" encoding="utf-8"?>
 <p:sld xmlns:a="http://schemas.openxmlformats.org/drawingml/2006/main" xmlns:r="http://schemas.openxmlformats.org/officeDocument/2006/relationships" xmlns:p="http://schemas.openxmlformats.org/presentationml/2006/main">
   <p:cSld>
     <p:bg>
@@ -6152,7 +5606,7 @@
 </p:sld>
 </file>
 
-<file path=ppt/slides/slide14.xml><?xml version="1.0" encoding="utf-8"?>
+<file path=ppt/slides/slide12.xml><?xml version="1.0" encoding="utf-8"?>
 <p:sld xmlns:a="http://schemas.openxmlformats.org/drawingml/2006/main" xmlns:r="http://schemas.openxmlformats.org/officeDocument/2006/relationships" xmlns:p="http://schemas.openxmlformats.org/presentationml/2006/main">
   <p:cSld>
     <p:bg>
@@ -6526,7 +5980,7 @@
 </p:sld>
 </file>
 
-<file path=ppt/slides/slide15.xml><?xml version="1.0" encoding="utf-8"?>
+<file path=ppt/slides/slide13.xml><?xml version="1.0" encoding="utf-8"?>
 <p:sld xmlns:a="http://schemas.openxmlformats.org/drawingml/2006/main" xmlns:r="http://schemas.openxmlformats.org/officeDocument/2006/relationships" xmlns:p="http://schemas.openxmlformats.org/presentationml/2006/main">
   <p:cSld>
     <p:bg>
@@ -6642,7 +6096,7 @@
 </p:sld>
 </file>
 
-<file path=ppt/slides/slide16.xml><?xml version="1.0" encoding="utf-8"?>
+<file path=ppt/slides/slide14.xml><?xml version="1.0" encoding="utf-8"?>
 <p:sld xmlns:a="http://schemas.openxmlformats.org/drawingml/2006/main" xmlns:r="http://schemas.openxmlformats.org/officeDocument/2006/relationships" xmlns:p="http://schemas.openxmlformats.org/presentationml/2006/main">
   <p:cSld>
     <p:bg>
@@ -7447,272 +6901,6 @@
       </p:sp>
       <p:pic>
         <p:nvPicPr>
-          <p:cNvPr id="4098" name="Picture 2" descr="ViewModel: for UI business, not UI operations 😮">
-            <a:extLst>
-              <a:ext uri="{FF2B5EF4-FFF2-40B4-BE49-F238E27FC236}">
-                <a16:creationId xmlns:a16="http://schemas.microsoft.com/office/drawing/2014/main" id="{34B2B065-FEE4-FDDE-49B1-313CA1F68314}"/>
-              </a:ext>
-            </a:extLst>
-          </p:cNvPr>
-          <p:cNvPicPr>
-            <a:picLocks noChangeAspect="1" noChangeArrowheads="1"/>
-          </p:cNvPicPr>
-          <p:nvPr/>
-        </p:nvPicPr>
-        <p:blipFill>
-          <a:blip r:embed="rId4">
-            <a:extLst>
-              <a:ext uri="{28A0092B-C50C-407E-A947-70E740481C1C}">
-                <a14:useLocalDpi xmlns:a14="http://schemas.microsoft.com/office/drawing/2010/main" val="0"/>
-              </a:ext>
-            </a:extLst>
-          </a:blip>
-          <a:srcRect/>
-          <a:stretch>
-            <a:fillRect/>
-          </a:stretch>
-        </p:blipFill>
-        <p:spPr bwMode="auto">
-          <a:xfrm>
-            <a:off x="1314102" y="1196752"/>
-            <a:ext cx="7362354" cy="5319812"/>
-          </a:xfrm>
-          <a:prstGeom prst="rect">
-            <a:avLst/>
-          </a:prstGeom>
-          <a:noFill/>
-          <a:extLst>
-            <a:ext uri="{909E8E84-426E-40DD-AFC4-6F175D3DCCD1}">
-              <a14:hiddenFill xmlns:a14="http://schemas.microsoft.com/office/drawing/2010/main">
-                <a:solidFill>
-                  <a:srgbClr val="FFFFFF"/>
-                </a:solidFill>
-              </a14:hiddenFill>
-            </a:ext>
-          </a:extLst>
-        </p:spPr>
-      </p:pic>
-    </p:spTree>
-    <p:extLst>
-      <p:ext uri="{BB962C8B-B14F-4D97-AF65-F5344CB8AC3E}">
-        <p14:creationId xmlns:p14="http://schemas.microsoft.com/office/powerpoint/2010/main" val="2188584591"/>
-      </p:ext>
-    </p:extLst>
-  </p:cSld>
-  <p:clrMapOvr>
-    <a:masterClrMapping/>
-  </p:clrMapOvr>
-</p:sld>
-</file>
-
-<file path=ppt/slides/slide7.xml><?xml version="1.0" encoding="utf-8"?>
-<p:sld xmlns:a="http://schemas.openxmlformats.org/drawingml/2006/main" xmlns:r="http://schemas.openxmlformats.org/officeDocument/2006/relationships" xmlns:p="http://schemas.openxmlformats.org/presentationml/2006/main">
-  <p:cSld>
-    <p:bg>
-      <p:bgPr>
-        <a:blipFill dpi="0" rotWithShape="0">
-          <a:blip r:embed="rId3" cstate="print"/>
-          <a:srcRect/>
-          <a:stretch>
-            <a:fillRect/>
-          </a:stretch>
-        </a:blipFill>
-        <a:effectLst/>
-      </p:bgPr>
-    </p:bg>
-    <p:spTree>
-      <p:nvGrpSpPr>
-        <p:cNvPr id="1" name=""/>
-        <p:cNvGrpSpPr/>
-        <p:nvPr/>
-      </p:nvGrpSpPr>
-      <p:grpSpPr>
-        <a:xfrm>
-          <a:off x="0" y="0"/>
-          <a:ext cx="0" cy="0"/>
-          <a:chOff x="0" y="0"/>
-          <a:chExt cx="0" cy="0"/>
-        </a:xfrm>
-      </p:grpSpPr>
-      <p:sp>
-        <p:nvSpPr>
-          <p:cNvPr id="2" name="Rectangle 1"/>
-          <p:cNvSpPr/>
-          <p:nvPr/>
-        </p:nvSpPr>
-        <p:spPr>
-          <a:xfrm>
-            <a:off x="2796750" y="244941"/>
-            <a:ext cx="5879706" cy="492443"/>
-          </a:xfrm>
-          <a:prstGeom prst="rect">
-            <a:avLst/>
-          </a:prstGeom>
-        </p:spPr>
-        <p:txBody>
-          <a:bodyPr wrap="square">
-            <a:spAutoFit/>
-          </a:bodyPr>
-          <a:lstStyle/>
-          <a:p>
-            <a:pPr algn="ctr"/>
-            <a:r>
-              <a:rPr lang="pl-PL" sz="2600" dirty="0" err="1">
-                <a:solidFill>
-                  <a:schemeClr val="bg1"/>
-                </a:solidFill>
-                <a:latin typeface="Verdana" panose="020B0604030504040204" pitchFamily="34" charset="0"/>
-                <a:ea typeface="Verdana" panose="020B0604030504040204" pitchFamily="34" charset="0"/>
-                <a:cs typeface="Verdana" panose="020B0604030504040204" pitchFamily="34" charset="0"/>
-              </a:rPr>
-              <a:t>ViewModel</a:t>
-            </a:r>
-            <a:endParaRPr lang="pl-PL" sz="2600" dirty="0">
-              <a:solidFill>
-                <a:schemeClr val="bg1"/>
-              </a:solidFill>
-              <a:latin typeface="Verdana" panose="020B0604030504040204" pitchFamily="34" charset="0"/>
-              <a:ea typeface="Verdana" panose="020B0604030504040204" pitchFamily="34" charset="0"/>
-              <a:cs typeface="Verdana" panose="020B0604030504040204" pitchFamily="34" charset="0"/>
-            </a:endParaRPr>
-          </a:p>
-        </p:txBody>
-      </p:sp>
-      <p:pic>
-        <p:nvPicPr>
-          <p:cNvPr id="5122" name="Picture 2" descr="MVC vs MVVM | Eric Muchenah">
-            <a:extLst>
-              <a:ext uri="{FF2B5EF4-FFF2-40B4-BE49-F238E27FC236}">
-                <a16:creationId xmlns:a16="http://schemas.microsoft.com/office/drawing/2014/main" id="{9401B1DB-4E4B-8631-5C98-FC5066434975}"/>
-              </a:ext>
-            </a:extLst>
-          </p:cNvPr>
-          <p:cNvPicPr>
-            <a:picLocks noChangeAspect="1" noChangeArrowheads="1"/>
-          </p:cNvPicPr>
-          <p:nvPr/>
-        </p:nvPicPr>
-        <p:blipFill>
-          <a:blip r:embed="rId4">
-            <a:extLst>
-              <a:ext uri="{28A0092B-C50C-407E-A947-70E740481C1C}">
-                <a14:useLocalDpi xmlns:a14="http://schemas.microsoft.com/office/drawing/2010/main" val="0"/>
-              </a:ext>
-            </a:extLst>
-          </a:blip>
-          <a:srcRect/>
-          <a:stretch>
-            <a:fillRect/>
-          </a:stretch>
-        </p:blipFill>
-        <p:spPr bwMode="auto">
-          <a:xfrm>
-            <a:off x="1043608" y="2132856"/>
-            <a:ext cx="8100392" cy="3741332"/>
-          </a:xfrm>
-          <a:prstGeom prst="rect">
-            <a:avLst/>
-          </a:prstGeom>
-          <a:noFill/>
-          <a:extLst>
-            <a:ext uri="{909E8E84-426E-40DD-AFC4-6F175D3DCCD1}">
-              <a14:hiddenFill xmlns:a14="http://schemas.microsoft.com/office/drawing/2010/main">
-                <a:solidFill>
-                  <a:srgbClr val="FFFFFF"/>
-                </a:solidFill>
-              </a14:hiddenFill>
-            </a:ext>
-          </a:extLst>
-        </p:spPr>
-      </p:pic>
-    </p:spTree>
-    <p:extLst>
-      <p:ext uri="{BB962C8B-B14F-4D97-AF65-F5344CB8AC3E}">
-        <p14:creationId xmlns:p14="http://schemas.microsoft.com/office/powerpoint/2010/main" val="441259823"/>
-      </p:ext>
-    </p:extLst>
-  </p:cSld>
-  <p:clrMapOvr>
-    <a:masterClrMapping/>
-  </p:clrMapOvr>
-</p:sld>
-</file>
-
-<file path=ppt/slides/slide8.xml><?xml version="1.0" encoding="utf-8"?>
-<p:sld xmlns:a="http://schemas.openxmlformats.org/drawingml/2006/main" xmlns:r="http://schemas.openxmlformats.org/officeDocument/2006/relationships" xmlns:p="http://schemas.openxmlformats.org/presentationml/2006/main">
-  <p:cSld>
-    <p:bg>
-      <p:bgPr>
-        <a:blipFill dpi="0" rotWithShape="0">
-          <a:blip r:embed="rId3" cstate="print"/>
-          <a:srcRect/>
-          <a:stretch>
-            <a:fillRect/>
-          </a:stretch>
-        </a:blipFill>
-        <a:effectLst/>
-      </p:bgPr>
-    </p:bg>
-    <p:spTree>
-      <p:nvGrpSpPr>
-        <p:cNvPr id="1" name=""/>
-        <p:cNvGrpSpPr/>
-        <p:nvPr/>
-      </p:nvGrpSpPr>
-      <p:grpSpPr>
-        <a:xfrm>
-          <a:off x="0" y="0"/>
-          <a:ext cx="0" cy="0"/>
-          <a:chOff x="0" y="0"/>
-          <a:chExt cx="0" cy="0"/>
-        </a:xfrm>
-      </p:grpSpPr>
-      <p:sp>
-        <p:nvSpPr>
-          <p:cNvPr id="2" name="Rectangle 1"/>
-          <p:cNvSpPr/>
-          <p:nvPr/>
-        </p:nvSpPr>
-        <p:spPr>
-          <a:xfrm>
-            <a:off x="2796750" y="244941"/>
-            <a:ext cx="5879706" cy="492443"/>
-          </a:xfrm>
-          <a:prstGeom prst="rect">
-            <a:avLst/>
-          </a:prstGeom>
-        </p:spPr>
-        <p:txBody>
-          <a:bodyPr wrap="square">
-            <a:spAutoFit/>
-          </a:bodyPr>
-          <a:lstStyle/>
-          <a:p>
-            <a:pPr algn="ctr"/>
-            <a:r>
-              <a:rPr lang="pl-PL" sz="2600" dirty="0" err="1">
-                <a:solidFill>
-                  <a:schemeClr val="bg1"/>
-                </a:solidFill>
-                <a:latin typeface="Verdana" panose="020B0604030504040204" pitchFamily="34" charset="0"/>
-                <a:ea typeface="Verdana" panose="020B0604030504040204" pitchFamily="34" charset="0"/>
-                <a:cs typeface="Verdana" panose="020B0604030504040204" pitchFamily="34" charset="0"/>
-              </a:rPr>
-              <a:t>ViewModel</a:t>
-            </a:r>
-            <a:endParaRPr lang="pl-PL" sz="2600" dirty="0">
-              <a:solidFill>
-                <a:schemeClr val="bg1"/>
-              </a:solidFill>
-              <a:latin typeface="Verdana" panose="020B0604030504040204" pitchFamily="34" charset="0"/>
-              <a:ea typeface="Verdana" panose="020B0604030504040204" pitchFamily="34" charset="0"/>
-              <a:cs typeface="Verdana" panose="020B0604030504040204" pitchFamily="34" charset="0"/>
-            </a:endParaRPr>
-          </a:p>
-        </p:txBody>
-      </p:sp>
-      <p:pic>
-        <p:nvPicPr>
           <p:cNvPr id="4" name="Obraz 3">
             <a:extLst>
               <a:ext uri="{FF2B5EF4-FFF2-40B4-BE49-F238E27FC236}">
@@ -7801,7 +6989,7 @@
 </p:sld>
 </file>
 
-<file path=ppt/slides/slide9.xml><?xml version="1.0" encoding="utf-8"?>
+<file path=ppt/slides/slide7.xml><?xml version="1.0" encoding="utf-8"?>
 <p:sld xmlns:a="http://schemas.openxmlformats.org/drawingml/2006/main" xmlns:r="http://schemas.openxmlformats.org/officeDocument/2006/relationships" xmlns:p="http://schemas.openxmlformats.org/presentationml/2006/main">
   <p:cSld>
     <p:bg>
@@ -7908,6 +7096,362 @@
     <p:extLst>
       <p:ext uri="{BB962C8B-B14F-4D97-AF65-F5344CB8AC3E}">
         <p14:creationId xmlns:p14="http://schemas.microsoft.com/office/powerpoint/2010/main" val="1863960255"/>
+      </p:ext>
+    </p:extLst>
+  </p:cSld>
+  <p:clrMapOvr>
+    <a:masterClrMapping/>
+  </p:clrMapOvr>
+</p:sld>
+</file>
+
+<file path=ppt/slides/slide8.xml><?xml version="1.0" encoding="utf-8"?>
+<p:sld xmlns:a="http://schemas.openxmlformats.org/drawingml/2006/main" xmlns:r="http://schemas.openxmlformats.org/officeDocument/2006/relationships" xmlns:p="http://schemas.openxmlformats.org/presentationml/2006/main">
+  <p:cSld>
+    <p:bg>
+      <p:bgPr>
+        <a:blipFill dpi="0" rotWithShape="0">
+          <a:blip r:embed="rId3" cstate="print"/>
+          <a:srcRect/>
+          <a:stretch>
+            <a:fillRect/>
+          </a:stretch>
+        </a:blipFill>
+        <a:effectLst/>
+      </p:bgPr>
+    </p:bg>
+    <p:spTree>
+      <p:nvGrpSpPr>
+        <p:cNvPr id="1" name=""/>
+        <p:cNvGrpSpPr/>
+        <p:nvPr/>
+      </p:nvGrpSpPr>
+      <p:grpSpPr>
+        <a:xfrm>
+          <a:off x="0" y="0"/>
+          <a:ext cx="0" cy="0"/>
+          <a:chOff x="0" y="0"/>
+          <a:chExt cx="0" cy="0"/>
+        </a:xfrm>
+      </p:grpSpPr>
+      <p:sp>
+        <p:nvSpPr>
+          <p:cNvPr id="2" name="Rectangle 1"/>
+          <p:cNvSpPr/>
+          <p:nvPr/>
+        </p:nvSpPr>
+        <p:spPr>
+          <a:xfrm>
+            <a:off x="2796750" y="244941"/>
+            <a:ext cx="5879706" cy="492443"/>
+          </a:xfrm>
+          <a:prstGeom prst="rect">
+            <a:avLst/>
+          </a:prstGeom>
+        </p:spPr>
+        <p:txBody>
+          <a:bodyPr wrap="square">
+            <a:spAutoFit/>
+          </a:bodyPr>
+          <a:lstStyle/>
+          <a:p>
+            <a:pPr algn="ctr"/>
+            <a:r>
+              <a:rPr lang="pl-PL" sz="2600" dirty="0" err="1">
+                <a:solidFill>
+                  <a:schemeClr val="bg1"/>
+                </a:solidFill>
+                <a:latin typeface="Verdana" panose="020B0604030504040204" pitchFamily="34" charset="0"/>
+                <a:ea typeface="Verdana" panose="020B0604030504040204" pitchFamily="34" charset="0"/>
+                <a:cs typeface="Verdana" panose="020B0604030504040204" pitchFamily="34" charset="0"/>
+              </a:rPr>
+              <a:t>LiveData</a:t>
+            </a:r>
+            <a:endParaRPr lang="pl-PL" sz="2600" dirty="0">
+              <a:solidFill>
+                <a:schemeClr val="bg1"/>
+              </a:solidFill>
+              <a:latin typeface="Verdana" panose="020B0604030504040204" pitchFamily="34" charset="0"/>
+              <a:ea typeface="Verdana" panose="020B0604030504040204" pitchFamily="34" charset="0"/>
+              <a:cs typeface="Verdana" panose="020B0604030504040204" pitchFamily="34" charset="0"/>
+            </a:endParaRPr>
+          </a:p>
+        </p:txBody>
+      </p:sp>
+      <p:pic>
+        <p:nvPicPr>
+          <p:cNvPr id="5" name="Obraz 4">
+            <a:extLst>
+              <a:ext uri="{FF2B5EF4-FFF2-40B4-BE49-F238E27FC236}">
+                <a16:creationId xmlns:a16="http://schemas.microsoft.com/office/drawing/2014/main" id="{E552FCB6-CF5B-EB90-BD41-C2ACD2822ED1}"/>
+              </a:ext>
+            </a:extLst>
+          </p:cNvPr>
+          <p:cNvPicPr>
+            <a:picLocks noChangeAspect="1"/>
+          </p:cNvPicPr>
+          <p:nvPr/>
+        </p:nvPicPr>
+        <p:blipFill>
+          <a:blip r:embed="rId4"/>
+          <a:stretch>
+            <a:fillRect/>
+          </a:stretch>
+        </p:blipFill>
+        <p:spPr>
+          <a:xfrm>
+            <a:off x="10536" y="836712"/>
+            <a:ext cx="9144000" cy="929448"/>
+          </a:xfrm>
+          <a:prstGeom prst="rect">
+            <a:avLst/>
+          </a:prstGeom>
+        </p:spPr>
+      </p:pic>
+      <p:pic>
+        <p:nvPicPr>
+          <p:cNvPr id="2050" name="Picture 2">
+            <a:extLst>
+              <a:ext uri="{FF2B5EF4-FFF2-40B4-BE49-F238E27FC236}">
+                <a16:creationId xmlns:a16="http://schemas.microsoft.com/office/drawing/2014/main" id="{7B9BBE6F-5224-713C-2C3A-F48AD6CF12EB}"/>
+              </a:ext>
+            </a:extLst>
+          </p:cNvPr>
+          <p:cNvPicPr>
+            <a:picLocks noChangeAspect="1" noChangeArrowheads="1"/>
+          </p:cNvPicPr>
+          <p:nvPr/>
+        </p:nvPicPr>
+        <p:blipFill>
+          <a:blip r:embed="rId5" cstate="print">
+            <a:extLst>
+              <a:ext uri="{28A0092B-C50C-407E-A947-70E740481C1C}">
+                <a14:useLocalDpi xmlns:a14="http://schemas.microsoft.com/office/drawing/2010/main" val="0"/>
+              </a:ext>
+            </a:extLst>
+          </a:blip>
+          <a:srcRect/>
+          <a:stretch>
+            <a:fillRect/>
+          </a:stretch>
+        </p:blipFill>
+        <p:spPr bwMode="auto">
+          <a:xfrm>
+            <a:off x="10536" y="2348880"/>
+            <a:ext cx="9144000" cy="4462463"/>
+          </a:xfrm>
+          <a:prstGeom prst="rect">
+            <a:avLst/>
+          </a:prstGeom>
+          <a:noFill/>
+          <a:extLst>
+            <a:ext uri="{909E8E84-426E-40DD-AFC4-6F175D3DCCD1}">
+              <a14:hiddenFill xmlns:a14="http://schemas.microsoft.com/office/drawing/2010/main">
+                <a:solidFill>
+                  <a:srgbClr val="FFFFFF"/>
+                </a:solidFill>
+              </a14:hiddenFill>
+            </a:ext>
+          </a:extLst>
+        </p:spPr>
+      </p:pic>
+    </p:spTree>
+    <p:extLst>
+      <p:ext uri="{BB962C8B-B14F-4D97-AF65-F5344CB8AC3E}">
+        <p14:creationId xmlns:p14="http://schemas.microsoft.com/office/powerpoint/2010/main" val="3731238472"/>
+      </p:ext>
+    </p:extLst>
+  </p:cSld>
+  <p:clrMapOvr>
+    <a:masterClrMapping/>
+  </p:clrMapOvr>
+</p:sld>
+</file>
+
+<file path=ppt/slides/slide9.xml><?xml version="1.0" encoding="utf-8"?>
+<p:sld xmlns:a="http://schemas.openxmlformats.org/drawingml/2006/main" xmlns:r="http://schemas.openxmlformats.org/officeDocument/2006/relationships" xmlns:p="http://schemas.openxmlformats.org/presentationml/2006/main">
+  <p:cSld>
+    <p:bg>
+      <p:bgPr>
+        <a:blipFill dpi="0" rotWithShape="0">
+          <a:blip r:embed="rId3" cstate="print"/>
+          <a:srcRect/>
+          <a:stretch>
+            <a:fillRect/>
+          </a:stretch>
+        </a:blipFill>
+        <a:effectLst/>
+      </p:bgPr>
+    </p:bg>
+    <p:spTree>
+      <p:nvGrpSpPr>
+        <p:cNvPr id="1" name=""/>
+        <p:cNvGrpSpPr/>
+        <p:nvPr/>
+      </p:nvGrpSpPr>
+      <p:grpSpPr>
+        <a:xfrm>
+          <a:off x="0" y="0"/>
+          <a:ext cx="0" cy="0"/>
+          <a:chOff x="0" y="0"/>
+          <a:chExt cx="0" cy="0"/>
+        </a:xfrm>
+      </p:grpSpPr>
+      <p:sp>
+        <p:nvSpPr>
+          <p:cNvPr id="2" name="Rectangle 1"/>
+          <p:cNvSpPr/>
+          <p:nvPr/>
+        </p:nvSpPr>
+        <p:spPr>
+          <a:xfrm>
+            <a:off x="2796750" y="244941"/>
+            <a:ext cx="5879706" cy="492443"/>
+          </a:xfrm>
+          <a:prstGeom prst="rect">
+            <a:avLst/>
+          </a:prstGeom>
+        </p:spPr>
+        <p:txBody>
+          <a:bodyPr wrap="square">
+            <a:spAutoFit/>
+          </a:bodyPr>
+          <a:lstStyle/>
+          <a:p>
+            <a:pPr algn="ctr"/>
+            <a:r>
+              <a:rPr lang="pl-PL" sz="2600" dirty="0" err="1">
+                <a:solidFill>
+                  <a:schemeClr val="bg1"/>
+                </a:solidFill>
+                <a:latin typeface="Verdana" panose="020B0604030504040204" pitchFamily="34" charset="0"/>
+                <a:ea typeface="Verdana" panose="020B0604030504040204" pitchFamily="34" charset="0"/>
+                <a:cs typeface="Verdana" panose="020B0604030504040204" pitchFamily="34" charset="0"/>
+              </a:rPr>
+              <a:t>LiveData</a:t>
+            </a:r>
+            <a:endParaRPr lang="pl-PL" sz="2600" dirty="0">
+              <a:solidFill>
+                <a:schemeClr val="bg1"/>
+              </a:solidFill>
+              <a:latin typeface="Verdana" panose="020B0604030504040204" pitchFamily="34" charset="0"/>
+              <a:ea typeface="Verdana" panose="020B0604030504040204" pitchFamily="34" charset="0"/>
+              <a:cs typeface="Verdana" panose="020B0604030504040204" pitchFamily="34" charset="0"/>
+            </a:endParaRPr>
+          </a:p>
+        </p:txBody>
+      </p:sp>
+      <p:pic>
+        <p:nvPicPr>
+          <p:cNvPr id="5" name="Obraz 4">
+            <a:extLst>
+              <a:ext uri="{FF2B5EF4-FFF2-40B4-BE49-F238E27FC236}">
+                <a16:creationId xmlns:a16="http://schemas.microsoft.com/office/drawing/2014/main" id="{E552FCB6-CF5B-EB90-BD41-C2ACD2822ED1}"/>
+              </a:ext>
+            </a:extLst>
+          </p:cNvPr>
+          <p:cNvPicPr>
+            <a:picLocks noChangeAspect="1"/>
+          </p:cNvPicPr>
+          <p:nvPr/>
+        </p:nvPicPr>
+        <p:blipFill>
+          <a:blip r:embed="rId4"/>
+          <a:stretch>
+            <a:fillRect/>
+          </a:stretch>
+        </p:blipFill>
+        <p:spPr>
+          <a:xfrm>
+            <a:off x="10536" y="836712"/>
+            <a:ext cx="9144000" cy="929448"/>
+          </a:xfrm>
+          <a:prstGeom prst="rect">
+            <a:avLst/>
+          </a:prstGeom>
+        </p:spPr>
+      </p:pic>
+      <p:pic>
+        <p:nvPicPr>
+          <p:cNvPr id="7" name="Obraz 6">
+            <a:extLst>
+              <a:ext uri="{FF2B5EF4-FFF2-40B4-BE49-F238E27FC236}">
+                <a16:creationId xmlns:a16="http://schemas.microsoft.com/office/drawing/2014/main" id="{6319A60A-CF7A-BD25-A5AC-E4FB298156D1}"/>
+              </a:ext>
+            </a:extLst>
+          </p:cNvPr>
+          <p:cNvPicPr>
+            <a:picLocks noChangeAspect="1"/>
+          </p:cNvPicPr>
+          <p:nvPr/>
+        </p:nvPicPr>
+        <p:blipFill>
+          <a:blip r:embed="rId5"/>
+          <a:stretch>
+            <a:fillRect/>
+          </a:stretch>
+        </p:blipFill>
+        <p:spPr>
+          <a:xfrm>
+            <a:off x="12599" y="1770933"/>
+            <a:ext cx="9144000" cy="556818"/>
+          </a:xfrm>
+          <a:prstGeom prst="rect">
+            <a:avLst/>
+          </a:prstGeom>
+        </p:spPr>
+      </p:pic>
+      <p:pic>
+        <p:nvPicPr>
+          <p:cNvPr id="8194" name="Picture 2" descr="Introduction to LiveData in Android">
+            <a:extLst>
+              <a:ext uri="{FF2B5EF4-FFF2-40B4-BE49-F238E27FC236}">
+                <a16:creationId xmlns:a16="http://schemas.microsoft.com/office/drawing/2014/main" id="{6ABA3A65-F53E-233D-4566-EBD541ECF5BA}"/>
+              </a:ext>
+            </a:extLst>
+          </p:cNvPr>
+          <p:cNvPicPr>
+            <a:picLocks noChangeAspect="1" noChangeArrowheads="1"/>
+          </p:cNvPicPr>
+          <p:nvPr/>
+        </p:nvPicPr>
+        <p:blipFill>
+          <a:blip r:embed="rId6">
+            <a:extLst>
+              <a:ext uri="{28A0092B-C50C-407E-A947-70E740481C1C}">
+                <a14:useLocalDpi xmlns:a14="http://schemas.microsoft.com/office/drawing/2010/main" val="0"/>
+              </a:ext>
+            </a:extLst>
+          </a:blip>
+          <a:srcRect/>
+          <a:stretch>
+            <a:fillRect/>
+          </a:stretch>
+        </p:blipFill>
+        <p:spPr bwMode="auto">
+          <a:xfrm>
+            <a:off x="15844" y="2636912"/>
+            <a:ext cx="9120079" cy="2520280"/>
+          </a:xfrm>
+          <a:prstGeom prst="rect">
+            <a:avLst/>
+          </a:prstGeom>
+          <a:noFill/>
+          <a:extLst>
+            <a:ext uri="{909E8E84-426E-40DD-AFC4-6F175D3DCCD1}">
+              <a14:hiddenFill xmlns:a14="http://schemas.microsoft.com/office/drawing/2010/main">
+                <a:solidFill>
+                  <a:srgbClr val="FFFFFF"/>
+                </a:solidFill>
+              </a14:hiddenFill>
+            </a:ext>
+          </a:extLst>
+        </p:spPr>
+      </p:pic>
+    </p:spTree>
+    <p:extLst>
+      <p:ext uri="{BB962C8B-B14F-4D97-AF65-F5344CB8AC3E}">
+        <p14:creationId xmlns:p14="http://schemas.microsoft.com/office/powerpoint/2010/main" val="2243393566"/>
       </p:ext>
     </p:extLst>
   </p:cSld>
